--- a/Entregaveis/Guia Implementacao IPS Brasil/DesignPaciente.pptx
+++ b/Entregaveis/Guia Implementacao IPS Brasil/DesignPaciente.pptx
@@ -11,6 +11,7 @@
     <p:sldId id="258" r:id="rId5"/>
     <p:sldId id="259" r:id="rId6"/>
     <p:sldId id="260" r:id="rId7"/>
+    <p:sldId id="262" r:id="rId8"/>
   </p:sldIdLst>
   <p:sldSz cx="12192000" cy="6858000"/>
   <p:notesSz cx="6858000" cy="9144000"/>
@@ -109,6 +110,11 @@
       </a:defRPr>
     </a:lvl9pPr>
   </p:defaultTextStyle>
+  <p:extLst>
+    <p:ext uri="{EFAFB233-063F-42B5-8137-9DF3F51BA10A}">
+      <p15:sldGuideLst xmlns:p15="http://schemas.microsoft.com/office/powerpoint/2012/main"/>
+    </p:ext>
+  </p:extLst>
 </p:presentation>
 </file>
 
@@ -243,7 +249,7 @@
           <a:p>
             <a:fld id="{C764DE79-268F-4C1A-8933-263129D2AF90}" type="datetimeFigureOut">
               <a:rPr lang="en-US" dirty="0"/>
-              <a:t>6/7/23</a:t>
+              <a:t>6/13/23</a:t>
             </a:fld>
             <a:endParaRPr lang="en-US" dirty="0"/>
           </a:p>
@@ -408,7 +414,7 @@
           <a:p>
             <a:fld id="{C764DE79-268F-4C1A-8933-263129D2AF90}" type="datetimeFigureOut">
               <a:rPr lang="en-US" dirty="0"/>
-              <a:t>6/7/23</a:t>
+              <a:t>6/13/23</a:t>
             </a:fld>
             <a:endParaRPr lang="en-US" dirty="0"/>
           </a:p>
@@ -583,7 +589,7 @@
           <a:p>
             <a:fld id="{C764DE79-268F-4C1A-8933-263129D2AF90}" type="datetimeFigureOut">
               <a:rPr lang="en-US" dirty="0"/>
-              <a:t>6/7/23</a:t>
+              <a:t>6/13/23</a:t>
             </a:fld>
             <a:endParaRPr lang="en-US" dirty="0"/>
           </a:p>
@@ -748,7 +754,7 @@
           <a:p>
             <a:fld id="{C764DE79-268F-4C1A-8933-263129D2AF90}" type="datetimeFigureOut">
               <a:rPr lang="en-US" dirty="0"/>
-              <a:t>6/7/23</a:t>
+              <a:t>6/13/23</a:t>
             </a:fld>
             <a:endParaRPr lang="en-US" dirty="0"/>
           </a:p>
@@ -989,7 +995,7 @@
           <a:p>
             <a:fld id="{C764DE79-268F-4C1A-8933-263129D2AF90}" type="datetimeFigureOut">
               <a:rPr lang="en-US" dirty="0"/>
-              <a:t>6/7/23</a:t>
+              <a:t>6/13/23</a:t>
             </a:fld>
             <a:endParaRPr lang="en-US" dirty="0"/>
           </a:p>
@@ -1216,7 +1222,7 @@
           <a:p>
             <a:fld id="{C764DE79-268F-4C1A-8933-263129D2AF90}" type="datetimeFigureOut">
               <a:rPr lang="en-US" dirty="0"/>
-              <a:t>6/7/23</a:t>
+              <a:t>6/13/23</a:t>
             </a:fld>
             <a:endParaRPr lang="en-US" dirty="0"/>
           </a:p>
@@ -1578,7 +1584,7 @@
           <a:p>
             <a:fld id="{C764DE79-268F-4C1A-8933-263129D2AF90}" type="datetimeFigureOut">
               <a:rPr lang="en-US" dirty="0"/>
-              <a:t>6/7/23</a:t>
+              <a:t>6/13/23</a:t>
             </a:fld>
             <a:endParaRPr lang="en-US" dirty="0"/>
           </a:p>
@@ -1691,7 +1697,7 @@
           <a:p>
             <a:fld id="{C764DE79-268F-4C1A-8933-263129D2AF90}" type="datetimeFigureOut">
               <a:rPr lang="en-US" dirty="0"/>
-              <a:t>6/7/23</a:t>
+              <a:t>6/13/23</a:t>
             </a:fld>
             <a:endParaRPr lang="en-US" dirty="0"/>
           </a:p>
@@ -1809,7 +1815,7 @@
           <a:p>
             <a:fld id="{C764DE79-268F-4C1A-8933-263129D2AF90}" type="datetimeFigureOut">
               <a:rPr lang="en-US" dirty="0"/>
-              <a:t>6/7/23</a:t>
+              <a:t>6/13/23</a:t>
             </a:fld>
             <a:endParaRPr lang="en-US" dirty="0"/>
           </a:p>
@@ -2081,7 +2087,7 @@
           <a:p>
             <a:fld id="{C764DE79-268F-4C1A-8933-263129D2AF90}" type="datetimeFigureOut">
               <a:rPr lang="en-US" dirty="0"/>
-              <a:t>6/7/23</a:t>
+              <a:t>6/13/23</a:t>
             </a:fld>
             <a:endParaRPr lang="en-US" dirty="0"/>
           </a:p>
@@ -2333,7 +2339,7 @@
           <a:p>
             <a:fld id="{C764DE79-268F-4C1A-8933-263129D2AF90}" type="datetimeFigureOut">
               <a:rPr lang="en-US" dirty="0"/>
-              <a:t>6/7/23</a:t>
+              <a:t>6/13/23</a:t>
             </a:fld>
             <a:endParaRPr lang="en-US" dirty="0"/>
           </a:p>
@@ -2541,7 +2547,7 @@
           <a:p>
             <a:fld id="{C764DE79-268F-4C1A-8933-263129D2AF90}" type="datetimeFigureOut">
               <a:rPr lang="en-US" dirty="0"/>
-              <a:t>6/7/23</a:t>
+              <a:t>6/13/23</a:t>
             </a:fld>
             <a:endParaRPr lang="en-US" dirty="0"/>
           </a:p>
@@ -3721,6 +3727,98 @@
     <p:extLst>
       <p:ext uri="{BB962C8B-B14F-4D97-AF65-F5344CB8AC3E}">
         <p14:creationId xmlns:p14="http://schemas.microsoft.com/office/powerpoint/2010/main" val="3694002199"/>
+      </p:ext>
+    </p:extLst>
+  </p:cSld>
+  <p:clrMapOvr>
+    <a:masterClrMapping/>
+  </p:clrMapOvr>
+</p:sld>
+</file>
+
+<file path=ppt/slides/slide7.xml><?xml version="1.0" encoding="utf-8"?>
+<p:sld xmlns:a="http://schemas.openxmlformats.org/drawingml/2006/main" xmlns:r="http://schemas.openxmlformats.org/officeDocument/2006/relationships" xmlns:p="http://schemas.openxmlformats.org/presentationml/2006/main">
+  <p:cSld>
+    <p:spTree>
+      <p:nvGrpSpPr>
+        <p:cNvPr id="1" name=""/>
+        <p:cNvGrpSpPr/>
+        <p:nvPr/>
+      </p:nvGrpSpPr>
+      <p:grpSpPr>
+        <a:xfrm>
+          <a:off x="0" y="0"/>
+          <a:ext cx="0" cy="0"/>
+          <a:chOff x="0" y="0"/>
+          <a:chExt cx="0" cy="0"/>
+        </a:xfrm>
+      </p:grpSpPr>
+      <p:sp>
+        <p:nvSpPr>
+          <p:cNvPr id="2" name="Title 1">
+            <a:extLst>
+              <a:ext uri="{FF2B5EF4-FFF2-40B4-BE49-F238E27FC236}">
+                <a16:creationId xmlns:a16="http://schemas.microsoft.com/office/drawing/2014/main" id="{19DF2A27-0371-27C4-2A0A-396C8444D2AD}"/>
+              </a:ext>
+            </a:extLst>
+          </p:cNvPr>
+          <p:cNvSpPr>
+            <a:spLocks noGrp="1"/>
+          </p:cNvSpPr>
+          <p:nvPr>
+            <p:ph type="title"/>
+          </p:nvPr>
+        </p:nvSpPr>
+        <p:spPr/>
+        <p:txBody>
+          <a:bodyPr/>
+          <a:lstStyle/>
+          <a:p>
+            <a:r>
+              <a:rPr lang="en-BR" dirty="0"/>
+              <a:t>ValueSets suprimidos pela RNDS</a:t>
+            </a:r>
+          </a:p>
+        </p:txBody>
+      </p:sp>
+      <p:sp>
+        <p:nvSpPr>
+          <p:cNvPr id="3" name="Content Placeholder 2">
+            <a:extLst>
+              <a:ext uri="{FF2B5EF4-FFF2-40B4-BE49-F238E27FC236}">
+                <a16:creationId xmlns:a16="http://schemas.microsoft.com/office/drawing/2014/main" id="{A1838733-D913-4A83-FC6B-4CFC9B8DB422}"/>
+              </a:ext>
+            </a:extLst>
+          </p:cNvPr>
+          <p:cNvSpPr>
+            <a:spLocks noGrp="1"/>
+          </p:cNvSpPr>
+          <p:nvPr>
+            <p:ph idx="1"/>
+          </p:nvPr>
+        </p:nvSpPr>
+        <p:spPr/>
+        <p:txBody>
+          <a:bodyPr/>
+          <a:lstStyle/>
+          <a:p>
+            <a:r>
+              <a:rPr lang="en-BR" dirty="0"/>
+              <a:t>ValueSets que foram suprimidos na RNDS mas existem no IPS estão sendo traduzidos no ValueSet original e serão exibidos dos IPS recebidos. </a:t>
+            </a:r>
+          </a:p>
+          <a:p>
+            <a:r>
+              <a:rPr lang="en-BR" dirty="0"/>
+              <a:t>Não serão enviados para RNDS</a:t>
+            </a:r>
+          </a:p>
+        </p:txBody>
+      </p:sp>
+    </p:spTree>
+    <p:extLst>
+      <p:ext uri="{BB962C8B-B14F-4D97-AF65-F5344CB8AC3E}">
+        <p14:creationId xmlns:p14="http://schemas.microsoft.com/office/powerpoint/2010/main" val="255702953"/>
       </p:ext>
     </p:extLst>
   </p:cSld>

--- a/Entregaveis/Guia Implementacao IPS Brasil/DesignPaciente.pptx
+++ b/Entregaveis/Guia Implementacao IPS Brasil/DesignPaciente.pptx
@@ -4,14 +4,19 @@
   <p:sldMasterIdLst>
     <p:sldMasterId id="2147483648" r:id="rId1"/>
   </p:sldMasterIdLst>
+  <p:notesMasterIdLst>
+    <p:notesMasterId r:id="rId11"/>
+  </p:notesMasterIdLst>
   <p:sldIdLst>
     <p:sldId id="256" r:id="rId2"/>
-    <p:sldId id="261" r:id="rId3"/>
-    <p:sldId id="257" r:id="rId4"/>
-    <p:sldId id="258" r:id="rId5"/>
-    <p:sldId id="259" r:id="rId6"/>
-    <p:sldId id="260" r:id="rId7"/>
-    <p:sldId id="262" r:id="rId8"/>
+    <p:sldId id="266" r:id="rId3"/>
+    <p:sldId id="268" r:id="rId4"/>
+    <p:sldId id="261" r:id="rId5"/>
+    <p:sldId id="257" r:id="rId6"/>
+    <p:sldId id="258" r:id="rId7"/>
+    <p:sldId id="259" r:id="rId8"/>
+    <p:sldId id="260" r:id="rId9"/>
+    <p:sldId id="262" r:id="rId10"/>
   </p:sldIdLst>
   <p:sldSz cx="12192000" cy="6858000"/>
   <p:notesSz cx="6858000" cy="9144000"/>
@@ -118,6 +123,443 @@
 </p:presentation>
 </file>
 
+<file path=ppt/notesMasters/notesMaster1.xml><?xml version="1.0" encoding="utf-8"?>
+<p:notesMaster xmlns:a="http://schemas.openxmlformats.org/drawingml/2006/main" xmlns:r="http://schemas.openxmlformats.org/officeDocument/2006/relationships" xmlns:p="http://schemas.openxmlformats.org/presentationml/2006/main">
+  <p:cSld>
+    <p:bg>
+      <p:bgRef idx="1001">
+        <a:schemeClr val="bg1"/>
+      </p:bgRef>
+    </p:bg>
+    <p:spTree>
+      <p:nvGrpSpPr>
+        <p:cNvPr id="1" name=""/>
+        <p:cNvGrpSpPr/>
+        <p:nvPr/>
+      </p:nvGrpSpPr>
+      <p:grpSpPr>
+        <a:xfrm>
+          <a:off x="0" y="0"/>
+          <a:ext cx="0" cy="0"/>
+          <a:chOff x="0" y="0"/>
+          <a:chExt cx="0" cy="0"/>
+        </a:xfrm>
+      </p:grpSpPr>
+      <p:sp>
+        <p:nvSpPr>
+          <p:cNvPr id="2" name="Header Placeholder 1"/>
+          <p:cNvSpPr>
+            <a:spLocks noGrp="1"/>
+          </p:cNvSpPr>
+          <p:nvPr>
+            <p:ph type="hdr" sz="quarter"/>
+          </p:nvPr>
+        </p:nvSpPr>
+        <p:spPr>
+          <a:xfrm>
+            <a:off x="0" y="0"/>
+            <a:ext cx="2971800" cy="458788"/>
+          </a:xfrm>
+          <a:prstGeom prst="rect">
+            <a:avLst/>
+          </a:prstGeom>
+        </p:spPr>
+        <p:txBody>
+          <a:bodyPr vert="horz" lIns="91440" tIns="45720" rIns="91440" bIns="45720" rtlCol="0"/>
+          <a:lstStyle>
+            <a:lvl1pPr algn="l">
+              <a:defRPr sz="1200"/>
+            </a:lvl1pPr>
+          </a:lstStyle>
+          <a:p>
+            <a:endParaRPr lang="en-BR"/>
+          </a:p>
+        </p:txBody>
+      </p:sp>
+      <p:sp>
+        <p:nvSpPr>
+          <p:cNvPr id="3" name="Date Placeholder 2"/>
+          <p:cNvSpPr>
+            <a:spLocks noGrp="1"/>
+          </p:cNvSpPr>
+          <p:nvPr>
+            <p:ph type="dt" idx="1"/>
+          </p:nvPr>
+        </p:nvSpPr>
+        <p:spPr>
+          <a:xfrm>
+            <a:off x="3884613" y="0"/>
+            <a:ext cx="2971800" cy="458788"/>
+          </a:xfrm>
+          <a:prstGeom prst="rect">
+            <a:avLst/>
+          </a:prstGeom>
+        </p:spPr>
+        <p:txBody>
+          <a:bodyPr vert="horz" lIns="91440" tIns="45720" rIns="91440" bIns="45720" rtlCol="0"/>
+          <a:lstStyle>
+            <a:lvl1pPr algn="r">
+              <a:defRPr sz="1200"/>
+            </a:lvl1pPr>
+          </a:lstStyle>
+          <a:p>
+            <a:fld id="{16A9030F-EE6C-1C44-A043-B9F40A3825B0}" type="datetimeFigureOut">
+              <a:rPr lang="en-BR" smtClean="0"/>
+              <a:t>27/06/23</a:t>
+            </a:fld>
+            <a:endParaRPr lang="en-BR"/>
+          </a:p>
+        </p:txBody>
+      </p:sp>
+      <p:sp>
+        <p:nvSpPr>
+          <p:cNvPr id="4" name="Slide Image Placeholder 3"/>
+          <p:cNvSpPr>
+            <a:spLocks noGrp="1" noRot="1" noChangeAspect="1"/>
+          </p:cNvSpPr>
+          <p:nvPr>
+            <p:ph type="sldImg" idx="2"/>
+          </p:nvPr>
+        </p:nvSpPr>
+        <p:spPr>
+          <a:xfrm>
+            <a:off x="685800" y="1143000"/>
+            <a:ext cx="5486400" cy="3086100"/>
+          </a:xfrm>
+          <a:prstGeom prst="rect">
+            <a:avLst/>
+          </a:prstGeom>
+          <a:noFill/>
+          <a:ln w="12700">
+            <a:solidFill>
+              <a:prstClr val="black"/>
+            </a:solidFill>
+          </a:ln>
+        </p:spPr>
+        <p:txBody>
+          <a:bodyPr vert="horz" lIns="91440" tIns="45720" rIns="91440" bIns="45720" rtlCol="0" anchor="ctr"/>
+          <a:lstStyle/>
+          <a:p>
+            <a:endParaRPr lang="en-BR"/>
+          </a:p>
+        </p:txBody>
+      </p:sp>
+      <p:sp>
+        <p:nvSpPr>
+          <p:cNvPr id="5" name="Notes Placeholder 4"/>
+          <p:cNvSpPr>
+            <a:spLocks noGrp="1"/>
+          </p:cNvSpPr>
+          <p:nvPr>
+            <p:ph type="body" sz="quarter" idx="3"/>
+          </p:nvPr>
+        </p:nvSpPr>
+        <p:spPr>
+          <a:xfrm>
+            <a:off x="685800" y="4400550"/>
+            <a:ext cx="5486400" cy="3600450"/>
+          </a:xfrm>
+          <a:prstGeom prst="rect">
+            <a:avLst/>
+          </a:prstGeom>
+        </p:spPr>
+        <p:txBody>
+          <a:bodyPr vert="horz" lIns="91440" tIns="45720" rIns="91440" bIns="45720" rtlCol="0"/>
+          <a:lstStyle/>
+          <a:p>
+            <a:pPr lvl="0"/>
+            <a:r>
+              <a:rPr lang="en-US"/>
+              <a:t>Click to edit Master text styles</a:t>
+            </a:r>
+          </a:p>
+          <a:p>
+            <a:pPr lvl="1"/>
+            <a:r>
+              <a:rPr lang="en-US"/>
+              <a:t>Second level</a:t>
+            </a:r>
+          </a:p>
+          <a:p>
+            <a:pPr lvl="2"/>
+            <a:r>
+              <a:rPr lang="en-US"/>
+              <a:t>Third level</a:t>
+            </a:r>
+          </a:p>
+          <a:p>
+            <a:pPr lvl="3"/>
+            <a:r>
+              <a:rPr lang="en-US"/>
+              <a:t>Fourth level</a:t>
+            </a:r>
+          </a:p>
+          <a:p>
+            <a:pPr lvl="4"/>
+            <a:r>
+              <a:rPr lang="en-US"/>
+              <a:t>Fifth level</a:t>
+            </a:r>
+            <a:endParaRPr lang="en-BR"/>
+          </a:p>
+        </p:txBody>
+      </p:sp>
+      <p:sp>
+        <p:nvSpPr>
+          <p:cNvPr id="6" name="Footer Placeholder 5"/>
+          <p:cNvSpPr>
+            <a:spLocks noGrp="1"/>
+          </p:cNvSpPr>
+          <p:nvPr>
+            <p:ph type="ftr" sz="quarter" idx="4"/>
+          </p:nvPr>
+        </p:nvSpPr>
+        <p:spPr>
+          <a:xfrm>
+            <a:off x="0" y="8685213"/>
+            <a:ext cx="2971800" cy="458787"/>
+          </a:xfrm>
+          <a:prstGeom prst="rect">
+            <a:avLst/>
+          </a:prstGeom>
+        </p:spPr>
+        <p:txBody>
+          <a:bodyPr vert="horz" lIns="91440" tIns="45720" rIns="91440" bIns="45720" rtlCol="0" anchor="b"/>
+          <a:lstStyle>
+            <a:lvl1pPr algn="l">
+              <a:defRPr sz="1200"/>
+            </a:lvl1pPr>
+          </a:lstStyle>
+          <a:p>
+            <a:endParaRPr lang="en-BR"/>
+          </a:p>
+        </p:txBody>
+      </p:sp>
+      <p:sp>
+        <p:nvSpPr>
+          <p:cNvPr id="7" name="Slide Number Placeholder 6"/>
+          <p:cNvSpPr>
+            <a:spLocks noGrp="1"/>
+          </p:cNvSpPr>
+          <p:nvPr>
+            <p:ph type="sldNum" sz="quarter" idx="5"/>
+          </p:nvPr>
+        </p:nvSpPr>
+        <p:spPr>
+          <a:xfrm>
+            <a:off x="3884613" y="8685213"/>
+            <a:ext cx="2971800" cy="458787"/>
+          </a:xfrm>
+          <a:prstGeom prst="rect">
+            <a:avLst/>
+          </a:prstGeom>
+        </p:spPr>
+        <p:txBody>
+          <a:bodyPr vert="horz" lIns="91440" tIns="45720" rIns="91440" bIns="45720" rtlCol="0" anchor="b"/>
+          <a:lstStyle>
+            <a:lvl1pPr algn="r">
+              <a:defRPr sz="1200"/>
+            </a:lvl1pPr>
+          </a:lstStyle>
+          <a:p>
+            <a:fld id="{3D514F5F-B2E9-014F-8275-43695B5ACB1B}" type="slidenum">
+              <a:rPr lang="en-BR" smtClean="0"/>
+              <a:t>‹#›</a:t>
+            </a:fld>
+            <a:endParaRPr lang="en-BR"/>
+          </a:p>
+        </p:txBody>
+      </p:sp>
+    </p:spTree>
+    <p:extLst>
+      <p:ext uri="{BB962C8B-B14F-4D97-AF65-F5344CB8AC3E}">
+        <p14:creationId xmlns:p14="http://schemas.microsoft.com/office/powerpoint/2010/main" val="2464025293"/>
+      </p:ext>
+    </p:extLst>
+  </p:cSld>
+  <p:clrMap bg1="lt1" tx1="dk1" bg2="lt2" tx2="dk2" accent1="accent1" accent2="accent2" accent3="accent3" accent4="accent4" accent5="accent5" accent6="accent6" hlink="hlink" folHlink="folHlink"/>
+  <p:notesStyle>
+    <a:lvl1pPr marL="0" algn="l" defTabSz="914400" rtl="0" eaLnBrk="1" latinLnBrk="0" hangingPunct="1">
+      <a:defRPr sz="1200" kern="1200">
+        <a:solidFill>
+          <a:schemeClr val="tx1"/>
+        </a:solidFill>
+        <a:latin typeface="+mn-lt"/>
+        <a:ea typeface="+mn-ea"/>
+        <a:cs typeface="+mn-cs"/>
+      </a:defRPr>
+    </a:lvl1pPr>
+    <a:lvl2pPr marL="457200" algn="l" defTabSz="914400" rtl="0" eaLnBrk="1" latinLnBrk="0" hangingPunct="1">
+      <a:defRPr sz="1200" kern="1200">
+        <a:solidFill>
+          <a:schemeClr val="tx1"/>
+        </a:solidFill>
+        <a:latin typeface="+mn-lt"/>
+        <a:ea typeface="+mn-ea"/>
+        <a:cs typeface="+mn-cs"/>
+      </a:defRPr>
+    </a:lvl2pPr>
+    <a:lvl3pPr marL="914400" algn="l" defTabSz="914400" rtl="0" eaLnBrk="1" latinLnBrk="0" hangingPunct="1">
+      <a:defRPr sz="1200" kern="1200">
+        <a:solidFill>
+          <a:schemeClr val="tx1"/>
+        </a:solidFill>
+        <a:latin typeface="+mn-lt"/>
+        <a:ea typeface="+mn-ea"/>
+        <a:cs typeface="+mn-cs"/>
+      </a:defRPr>
+    </a:lvl3pPr>
+    <a:lvl4pPr marL="1371600" algn="l" defTabSz="914400" rtl="0" eaLnBrk="1" latinLnBrk="0" hangingPunct="1">
+      <a:defRPr sz="1200" kern="1200">
+        <a:solidFill>
+          <a:schemeClr val="tx1"/>
+        </a:solidFill>
+        <a:latin typeface="+mn-lt"/>
+        <a:ea typeface="+mn-ea"/>
+        <a:cs typeface="+mn-cs"/>
+      </a:defRPr>
+    </a:lvl4pPr>
+    <a:lvl5pPr marL="1828800" algn="l" defTabSz="914400" rtl="0" eaLnBrk="1" latinLnBrk="0" hangingPunct="1">
+      <a:defRPr sz="1200" kern="1200">
+        <a:solidFill>
+          <a:schemeClr val="tx1"/>
+        </a:solidFill>
+        <a:latin typeface="+mn-lt"/>
+        <a:ea typeface="+mn-ea"/>
+        <a:cs typeface="+mn-cs"/>
+      </a:defRPr>
+    </a:lvl5pPr>
+    <a:lvl6pPr marL="2286000" algn="l" defTabSz="914400" rtl="0" eaLnBrk="1" latinLnBrk="0" hangingPunct="1">
+      <a:defRPr sz="1200" kern="1200">
+        <a:solidFill>
+          <a:schemeClr val="tx1"/>
+        </a:solidFill>
+        <a:latin typeface="+mn-lt"/>
+        <a:ea typeface="+mn-ea"/>
+        <a:cs typeface="+mn-cs"/>
+      </a:defRPr>
+    </a:lvl6pPr>
+    <a:lvl7pPr marL="2743200" algn="l" defTabSz="914400" rtl="0" eaLnBrk="1" latinLnBrk="0" hangingPunct="1">
+      <a:defRPr sz="1200" kern="1200">
+        <a:solidFill>
+          <a:schemeClr val="tx1"/>
+        </a:solidFill>
+        <a:latin typeface="+mn-lt"/>
+        <a:ea typeface="+mn-ea"/>
+        <a:cs typeface="+mn-cs"/>
+      </a:defRPr>
+    </a:lvl7pPr>
+    <a:lvl8pPr marL="3200400" algn="l" defTabSz="914400" rtl="0" eaLnBrk="1" latinLnBrk="0" hangingPunct="1">
+      <a:defRPr sz="1200" kern="1200">
+        <a:solidFill>
+          <a:schemeClr val="tx1"/>
+        </a:solidFill>
+        <a:latin typeface="+mn-lt"/>
+        <a:ea typeface="+mn-ea"/>
+        <a:cs typeface="+mn-cs"/>
+      </a:defRPr>
+    </a:lvl8pPr>
+    <a:lvl9pPr marL="3657600" algn="l" defTabSz="914400" rtl="0" eaLnBrk="1" latinLnBrk="0" hangingPunct="1">
+      <a:defRPr sz="1200" kern="1200">
+        <a:solidFill>
+          <a:schemeClr val="tx1"/>
+        </a:solidFill>
+        <a:latin typeface="+mn-lt"/>
+        <a:ea typeface="+mn-ea"/>
+        <a:cs typeface="+mn-cs"/>
+      </a:defRPr>
+    </a:lvl9pPr>
+  </p:notesStyle>
+</p:notesMaster>
+</file>
+
+<file path=ppt/notesSlides/notesSlide1.xml><?xml version="1.0" encoding="utf-8"?>
+<p:notes xmlns:a="http://schemas.openxmlformats.org/drawingml/2006/main" xmlns:r="http://schemas.openxmlformats.org/officeDocument/2006/relationships" xmlns:p="http://schemas.openxmlformats.org/presentationml/2006/main">
+  <p:cSld>
+    <p:spTree>
+      <p:nvGrpSpPr>
+        <p:cNvPr id="1" name=""/>
+        <p:cNvGrpSpPr/>
+        <p:nvPr/>
+      </p:nvGrpSpPr>
+      <p:grpSpPr>
+        <a:xfrm>
+          <a:off x="0" y="0"/>
+          <a:ext cx="0" cy="0"/>
+          <a:chOff x="0" y="0"/>
+          <a:chExt cx="0" cy="0"/>
+        </a:xfrm>
+      </p:grpSpPr>
+      <p:sp>
+        <p:nvSpPr>
+          <p:cNvPr id="2" name="Slide Image Placeholder 1"/>
+          <p:cNvSpPr>
+            <a:spLocks noGrp="1" noRot="1" noChangeAspect="1"/>
+          </p:cNvSpPr>
+          <p:nvPr>
+            <p:ph type="sldImg"/>
+          </p:nvPr>
+        </p:nvSpPr>
+        <p:spPr/>
+      </p:sp>
+      <p:sp>
+        <p:nvSpPr>
+          <p:cNvPr id="3" name="Notes Placeholder 2"/>
+          <p:cNvSpPr>
+            <a:spLocks noGrp="1"/>
+          </p:cNvSpPr>
+          <p:nvPr>
+            <p:ph type="body" idx="1"/>
+          </p:nvPr>
+        </p:nvSpPr>
+        <p:spPr/>
+        <p:txBody>
+          <a:bodyPr/>
+          <a:lstStyle/>
+          <a:p>
+            <a:r>
+              <a:rPr lang="en-BR" dirty="0"/>
+              <a:t>Definir regras para extração dos dados da RNDS para poder automatizar o processo de curadoria  do Sumário.  Regras para Imunização e Exames.</a:t>
+            </a:r>
+          </a:p>
+        </p:txBody>
+      </p:sp>
+      <p:sp>
+        <p:nvSpPr>
+          <p:cNvPr id="4" name="Slide Number Placeholder 3"/>
+          <p:cNvSpPr>
+            <a:spLocks noGrp="1"/>
+          </p:cNvSpPr>
+          <p:nvPr>
+            <p:ph type="sldNum" sz="quarter" idx="5"/>
+          </p:nvPr>
+        </p:nvSpPr>
+        <p:spPr/>
+        <p:txBody>
+          <a:bodyPr/>
+          <a:lstStyle/>
+          <a:p>
+            <a:fld id="{6638C96C-3EEE-9F49-B727-7CB3909EB2E7}" type="slidenum">
+              <a:rPr lang="en-BR" smtClean="0"/>
+              <a:t>2</a:t>
+            </a:fld>
+            <a:endParaRPr lang="en-BR"/>
+          </a:p>
+        </p:txBody>
+      </p:sp>
+    </p:spTree>
+    <p:extLst>
+      <p:ext uri="{BB962C8B-B14F-4D97-AF65-F5344CB8AC3E}">
+        <p14:creationId xmlns:p14="http://schemas.microsoft.com/office/powerpoint/2010/main" val="184009281"/>
+      </p:ext>
+    </p:extLst>
+  </p:cSld>
+  <p:clrMapOvr>
+    <a:masterClrMapping/>
+  </p:clrMapOvr>
+</p:notes>
+</file>
+
 <file path=ppt/slideLayouts/slideLayout1.xml><?xml version="1.0" encoding="utf-8"?>
 <p:sldLayout xmlns:a="http://schemas.openxmlformats.org/drawingml/2006/main" xmlns:r="http://schemas.openxmlformats.org/officeDocument/2006/relationships" xmlns:p="http://schemas.openxmlformats.org/presentationml/2006/main" type="title" preserve="1">
   <p:cSld name="Title Slide">
@@ -249,7 +691,7 @@
           <a:p>
             <a:fld id="{C764DE79-268F-4C1A-8933-263129D2AF90}" type="datetimeFigureOut">
               <a:rPr lang="en-US" dirty="0"/>
-              <a:t>6/13/23</a:t>
+              <a:t>6/27/23</a:t>
             </a:fld>
             <a:endParaRPr lang="en-US" dirty="0"/>
           </a:p>
@@ -414,7 +856,7 @@
           <a:p>
             <a:fld id="{C764DE79-268F-4C1A-8933-263129D2AF90}" type="datetimeFigureOut">
               <a:rPr lang="en-US" dirty="0"/>
-              <a:t>6/13/23</a:t>
+              <a:t>6/27/23</a:t>
             </a:fld>
             <a:endParaRPr lang="en-US" dirty="0"/>
           </a:p>
@@ -589,7 +1031,7 @@
           <a:p>
             <a:fld id="{C764DE79-268F-4C1A-8933-263129D2AF90}" type="datetimeFigureOut">
               <a:rPr lang="en-US" dirty="0"/>
-              <a:t>6/13/23</a:t>
+              <a:t>6/27/23</a:t>
             </a:fld>
             <a:endParaRPr lang="en-US" dirty="0"/>
           </a:p>
@@ -754,7 +1196,7 @@
           <a:p>
             <a:fld id="{C764DE79-268F-4C1A-8933-263129D2AF90}" type="datetimeFigureOut">
               <a:rPr lang="en-US" dirty="0"/>
-              <a:t>6/13/23</a:t>
+              <a:t>6/27/23</a:t>
             </a:fld>
             <a:endParaRPr lang="en-US" dirty="0"/>
           </a:p>
@@ -995,7 +1437,7 @@
           <a:p>
             <a:fld id="{C764DE79-268F-4C1A-8933-263129D2AF90}" type="datetimeFigureOut">
               <a:rPr lang="en-US" dirty="0"/>
-              <a:t>6/13/23</a:t>
+              <a:t>6/27/23</a:t>
             </a:fld>
             <a:endParaRPr lang="en-US" dirty="0"/>
           </a:p>
@@ -1222,7 +1664,7 @@
           <a:p>
             <a:fld id="{C764DE79-268F-4C1A-8933-263129D2AF90}" type="datetimeFigureOut">
               <a:rPr lang="en-US" dirty="0"/>
-              <a:t>6/13/23</a:t>
+              <a:t>6/27/23</a:t>
             </a:fld>
             <a:endParaRPr lang="en-US" dirty="0"/>
           </a:p>
@@ -1584,7 +2026,7 @@
           <a:p>
             <a:fld id="{C764DE79-268F-4C1A-8933-263129D2AF90}" type="datetimeFigureOut">
               <a:rPr lang="en-US" dirty="0"/>
-              <a:t>6/13/23</a:t>
+              <a:t>6/27/23</a:t>
             </a:fld>
             <a:endParaRPr lang="en-US" dirty="0"/>
           </a:p>
@@ -1697,7 +2139,7 @@
           <a:p>
             <a:fld id="{C764DE79-268F-4C1A-8933-263129D2AF90}" type="datetimeFigureOut">
               <a:rPr lang="en-US" dirty="0"/>
-              <a:t>6/13/23</a:t>
+              <a:t>6/27/23</a:t>
             </a:fld>
             <a:endParaRPr lang="en-US" dirty="0"/>
           </a:p>
@@ -1815,7 +2257,7 @@
           <a:p>
             <a:fld id="{C764DE79-268F-4C1A-8933-263129D2AF90}" type="datetimeFigureOut">
               <a:rPr lang="en-US" dirty="0"/>
-              <a:t>6/13/23</a:t>
+              <a:t>6/27/23</a:t>
             </a:fld>
             <a:endParaRPr lang="en-US" dirty="0"/>
           </a:p>
@@ -2087,7 +2529,7 @@
           <a:p>
             <a:fld id="{C764DE79-268F-4C1A-8933-263129D2AF90}" type="datetimeFigureOut">
               <a:rPr lang="en-US" dirty="0"/>
-              <a:t>6/13/23</a:t>
+              <a:t>6/27/23</a:t>
             </a:fld>
             <a:endParaRPr lang="en-US" dirty="0"/>
           </a:p>
@@ -2339,7 +2781,7 @@
           <a:p>
             <a:fld id="{C764DE79-268F-4C1A-8933-263129D2AF90}" type="datetimeFigureOut">
               <a:rPr lang="en-US" dirty="0"/>
-              <a:t>6/13/23</a:t>
+              <a:t>6/27/23</a:t>
             </a:fld>
             <a:endParaRPr lang="en-US" dirty="0"/>
           </a:p>
@@ -2547,7 +2989,7 @@
           <a:p>
             <a:fld id="{C764DE79-268F-4C1A-8933-263129D2AF90}" type="datetimeFigureOut">
               <a:rPr lang="en-US" dirty="0"/>
-              <a:t>6/13/23</a:t>
+              <a:t>6/27/23</a:t>
             </a:fld>
             <a:endParaRPr lang="en-US" dirty="0"/>
           </a:p>
@@ -3097,6 +3539,970 @@
           <p:cNvPr id="2" name="Title 1">
             <a:extLst>
               <a:ext uri="{FF2B5EF4-FFF2-40B4-BE49-F238E27FC236}">
+                <a16:creationId xmlns:a16="http://schemas.microsoft.com/office/drawing/2014/main" id="{D2BFAB85-F86D-F66B-E205-8577A28240F9}"/>
+              </a:ext>
+            </a:extLst>
+          </p:cNvPr>
+          <p:cNvSpPr>
+            <a:spLocks noGrp="1"/>
+          </p:cNvSpPr>
+          <p:nvPr>
+            <p:ph type="title"/>
+          </p:nvPr>
+        </p:nvSpPr>
+        <p:spPr/>
+        <p:txBody>
+          <a:bodyPr/>
+          <a:lstStyle/>
+          <a:p>
+            <a:endParaRPr lang="en-BR"/>
+          </a:p>
+        </p:txBody>
+      </p:sp>
+      <p:pic>
+        <p:nvPicPr>
+          <p:cNvPr id="3" name="Picture 2">
+            <a:extLst>
+              <a:ext uri="{FF2B5EF4-FFF2-40B4-BE49-F238E27FC236}">
+                <a16:creationId xmlns:a16="http://schemas.microsoft.com/office/drawing/2014/main" id="{0F604E69-EAD5-BBF6-1E2F-627767D281E3}"/>
+              </a:ext>
+            </a:extLst>
+          </p:cNvPr>
+          <p:cNvPicPr>
+            <a:picLocks noChangeAspect="1"/>
+          </p:cNvPicPr>
+          <p:nvPr/>
+        </p:nvPicPr>
+        <p:blipFill>
+          <a:blip r:embed="rId3"/>
+          <a:stretch>
+            <a:fillRect/>
+          </a:stretch>
+        </p:blipFill>
+        <p:spPr>
+          <a:xfrm>
+            <a:off x="684001" y="789710"/>
+            <a:ext cx="11163662" cy="5122718"/>
+          </a:xfrm>
+          <a:prstGeom prst="rect">
+            <a:avLst/>
+          </a:prstGeom>
+        </p:spPr>
+      </p:pic>
+      <p:sp>
+        <p:nvSpPr>
+          <p:cNvPr id="4" name="TextBox 3">
+            <a:extLst>
+              <a:ext uri="{FF2B5EF4-FFF2-40B4-BE49-F238E27FC236}">
+                <a16:creationId xmlns:a16="http://schemas.microsoft.com/office/drawing/2014/main" id="{117F26AA-E2A6-7BA6-1E30-E3BD5C8DF1FC}"/>
+              </a:ext>
+            </a:extLst>
+          </p:cNvPr>
+          <p:cNvSpPr txBox="1"/>
+          <p:nvPr/>
+        </p:nvSpPr>
+        <p:spPr>
+          <a:xfrm>
+            <a:off x="6452868" y="2644185"/>
+            <a:ext cx="1722523" cy="923330"/>
+          </a:xfrm>
+          <a:prstGeom prst="rect">
+            <a:avLst/>
+          </a:prstGeom>
+          <a:solidFill>
+            <a:schemeClr val="bg1"/>
+          </a:solidFill>
+        </p:spPr>
+        <p:txBody>
+          <a:bodyPr wrap="square" rtlCol="0">
+            <a:spAutoFit/>
+          </a:bodyPr>
+          <a:lstStyle/>
+          <a:p>
+            <a:pPr algn="ctr"/>
+            <a:r>
+              <a:rPr lang="en-US" dirty="0" err="1"/>
+              <a:t>Coletar</a:t>
+            </a:r>
+            <a:r>
+              <a:rPr lang="en-US" dirty="0"/>
+              <a:t> dados da RNDS</a:t>
+            </a:r>
+          </a:p>
+          <a:p>
+            <a:endParaRPr lang="en-BR" dirty="0"/>
+          </a:p>
+        </p:txBody>
+      </p:sp>
+      <p:sp>
+        <p:nvSpPr>
+          <p:cNvPr id="5" name="Oval 4">
+            <a:extLst>
+              <a:ext uri="{FF2B5EF4-FFF2-40B4-BE49-F238E27FC236}">
+                <a16:creationId xmlns:a16="http://schemas.microsoft.com/office/drawing/2014/main" id="{9225A547-8D36-D008-3421-BB723BD630F8}"/>
+              </a:ext>
+            </a:extLst>
+          </p:cNvPr>
+          <p:cNvSpPr/>
+          <p:nvPr/>
+        </p:nvSpPr>
+        <p:spPr>
+          <a:xfrm>
+            <a:off x="3699164" y="2997778"/>
+            <a:ext cx="1236518" cy="706582"/>
+          </a:xfrm>
+          <a:prstGeom prst="ellipse">
+            <a:avLst/>
+          </a:prstGeom>
+        </p:spPr>
+        <p:style>
+          <a:lnRef idx="2">
+            <a:schemeClr val="accent1">
+              <a:shade val="15000"/>
+            </a:schemeClr>
+          </a:lnRef>
+          <a:fillRef idx="1">
+            <a:schemeClr val="accent1"/>
+          </a:fillRef>
+          <a:effectRef idx="0">
+            <a:schemeClr val="accent1"/>
+          </a:effectRef>
+          <a:fontRef idx="minor">
+            <a:schemeClr val="lt1"/>
+          </a:fontRef>
+        </p:style>
+        <p:txBody>
+          <a:bodyPr rtlCol="0" anchor="ctr"/>
+          <a:lstStyle/>
+          <a:p>
+            <a:pPr algn="ctr"/>
+            <a:r>
+              <a:rPr lang="en-BR" sz="1200" dirty="0"/>
+              <a:t>Selecionar Dados para o IPS</a:t>
+            </a:r>
+          </a:p>
+        </p:txBody>
+      </p:sp>
+      <p:sp>
+        <p:nvSpPr>
+          <p:cNvPr id="6" name="TextBox 5">
+            <a:extLst>
+              <a:ext uri="{FF2B5EF4-FFF2-40B4-BE49-F238E27FC236}">
+                <a16:creationId xmlns:a16="http://schemas.microsoft.com/office/drawing/2014/main" id="{59A58FE3-0982-5B4C-C0B2-F5CC2B20E0B8}"/>
+              </a:ext>
+            </a:extLst>
+          </p:cNvPr>
+          <p:cNvSpPr txBox="1"/>
+          <p:nvPr/>
+        </p:nvSpPr>
+        <p:spPr>
+          <a:xfrm>
+            <a:off x="5216350" y="2189956"/>
+            <a:ext cx="1236518" cy="646331"/>
+          </a:xfrm>
+          <a:prstGeom prst="rect">
+            <a:avLst/>
+          </a:prstGeom>
+          <a:solidFill>
+            <a:schemeClr val="accent2">
+              <a:lumMod val="60000"/>
+              <a:lumOff val="40000"/>
+            </a:schemeClr>
+          </a:solidFill>
+        </p:spPr>
+        <p:txBody>
+          <a:bodyPr wrap="square" rtlCol="0">
+            <a:spAutoFit/>
+          </a:bodyPr>
+          <a:lstStyle/>
+          <a:p>
+            <a:r>
+              <a:rPr lang="en-US" dirty="0" err="1"/>
+              <a:t>Gerador</a:t>
+            </a:r>
+            <a:r>
+              <a:rPr lang="en-US" dirty="0"/>
+              <a:t> de IPS</a:t>
+            </a:r>
+            <a:endParaRPr lang="en-BR" dirty="0"/>
+          </a:p>
+        </p:txBody>
+      </p:sp>
+      <p:sp>
+        <p:nvSpPr>
+          <p:cNvPr id="7" name="Rectangle 6">
+            <a:extLst>
+              <a:ext uri="{FF2B5EF4-FFF2-40B4-BE49-F238E27FC236}">
+                <a16:creationId xmlns:a16="http://schemas.microsoft.com/office/drawing/2014/main" id="{AE7CAC38-39A4-9663-8F24-954C90C26B73}"/>
+              </a:ext>
+            </a:extLst>
+          </p:cNvPr>
+          <p:cNvSpPr/>
+          <p:nvPr/>
+        </p:nvSpPr>
+        <p:spPr>
+          <a:xfrm>
+            <a:off x="969941" y="3865851"/>
+            <a:ext cx="3730317" cy="1832089"/>
+          </a:xfrm>
+          <a:prstGeom prst="rect">
+            <a:avLst/>
+          </a:prstGeom>
+          <a:solidFill>
+            <a:schemeClr val="bg1"/>
+          </a:solidFill>
+          <a:ln>
+            <a:noFill/>
+          </a:ln>
+        </p:spPr>
+        <p:style>
+          <a:lnRef idx="2">
+            <a:schemeClr val="accent1">
+              <a:shade val="15000"/>
+            </a:schemeClr>
+          </a:lnRef>
+          <a:fillRef idx="1">
+            <a:schemeClr val="accent1"/>
+          </a:fillRef>
+          <a:effectRef idx="0">
+            <a:schemeClr val="accent1"/>
+          </a:effectRef>
+          <a:fontRef idx="minor">
+            <a:schemeClr val="lt1"/>
+          </a:fontRef>
+        </p:style>
+        <p:txBody>
+          <a:bodyPr rtlCol="0" anchor="ctr"/>
+          <a:lstStyle/>
+          <a:p>
+            <a:pPr algn="ctr"/>
+            <a:endParaRPr lang="en-BR"/>
+          </a:p>
+        </p:txBody>
+      </p:sp>
+      <p:sp>
+        <p:nvSpPr>
+          <p:cNvPr id="8" name="Oval 7">
+            <a:extLst>
+              <a:ext uri="{FF2B5EF4-FFF2-40B4-BE49-F238E27FC236}">
+                <a16:creationId xmlns:a16="http://schemas.microsoft.com/office/drawing/2014/main" id="{1F92732F-833C-84B3-B7A1-E98ADC23EEDE}"/>
+              </a:ext>
+            </a:extLst>
+          </p:cNvPr>
+          <p:cNvSpPr/>
+          <p:nvPr/>
+        </p:nvSpPr>
+        <p:spPr>
+          <a:xfrm>
+            <a:off x="4367283" y="3704360"/>
+            <a:ext cx="1769663" cy="922266"/>
+          </a:xfrm>
+          <a:prstGeom prst="ellipse">
+            <a:avLst/>
+          </a:prstGeom>
+        </p:spPr>
+        <p:style>
+          <a:lnRef idx="2">
+            <a:schemeClr val="accent1">
+              <a:shade val="15000"/>
+            </a:schemeClr>
+          </a:lnRef>
+          <a:fillRef idx="1">
+            <a:schemeClr val="accent1"/>
+          </a:fillRef>
+          <a:effectRef idx="0">
+            <a:schemeClr val="accent1"/>
+          </a:effectRef>
+          <a:fontRef idx="minor">
+            <a:schemeClr val="lt1"/>
+          </a:fontRef>
+        </p:style>
+        <p:txBody>
+          <a:bodyPr rtlCol="0" anchor="ctr"/>
+          <a:lstStyle/>
+          <a:p>
+            <a:pPr algn="ctr"/>
+            <a:r>
+              <a:rPr lang="en-BR" dirty="0"/>
+              <a:t>Validate (FHIR)</a:t>
+            </a:r>
+          </a:p>
+        </p:txBody>
+      </p:sp>
+      <p:sp>
+        <p:nvSpPr>
+          <p:cNvPr id="9" name="Oval 8">
+            <a:extLst>
+              <a:ext uri="{FF2B5EF4-FFF2-40B4-BE49-F238E27FC236}">
+                <a16:creationId xmlns:a16="http://schemas.microsoft.com/office/drawing/2014/main" id="{FD27E8A5-0105-FBC0-50C0-BD75F32B86BA}"/>
+              </a:ext>
+            </a:extLst>
+          </p:cNvPr>
+          <p:cNvSpPr/>
+          <p:nvPr/>
+        </p:nvSpPr>
+        <p:spPr>
+          <a:xfrm>
+            <a:off x="6096000" y="4626626"/>
+            <a:ext cx="1287439" cy="848888"/>
+          </a:xfrm>
+          <a:prstGeom prst="ellipse">
+            <a:avLst/>
+          </a:prstGeom>
+        </p:spPr>
+        <p:style>
+          <a:lnRef idx="2">
+            <a:schemeClr val="accent1">
+              <a:shade val="15000"/>
+            </a:schemeClr>
+          </a:lnRef>
+          <a:fillRef idx="1">
+            <a:schemeClr val="accent1"/>
+          </a:fillRef>
+          <a:effectRef idx="0">
+            <a:schemeClr val="accent1"/>
+          </a:effectRef>
+          <a:fontRef idx="minor">
+            <a:schemeClr val="lt1"/>
+          </a:fontRef>
+        </p:style>
+        <p:txBody>
+          <a:bodyPr rtlCol="0" anchor="ctr"/>
+          <a:lstStyle/>
+          <a:p>
+            <a:pPr algn="ctr"/>
+            <a:r>
+              <a:rPr lang="en-BR" dirty="0"/>
+              <a:t>Publicar/Armazenar</a:t>
+            </a:r>
+          </a:p>
+        </p:txBody>
+      </p:sp>
+      <p:pic>
+        <p:nvPicPr>
+          <p:cNvPr id="10" name="Picture 9">
+            <a:extLst>
+              <a:ext uri="{FF2B5EF4-FFF2-40B4-BE49-F238E27FC236}">
+                <a16:creationId xmlns:a16="http://schemas.microsoft.com/office/drawing/2014/main" id="{2EE7D20B-389E-6FEB-0E93-E1EF934EA753}"/>
+              </a:ext>
+            </a:extLst>
+          </p:cNvPr>
+          <p:cNvPicPr>
+            <a:picLocks noChangeAspect="1"/>
+          </p:cNvPicPr>
+          <p:nvPr/>
+        </p:nvPicPr>
+        <p:blipFill>
+          <a:blip r:embed="rId4"/>
+          <a:stretch>
+            <a:fillRect/>
+          </a:stretch>
+        </p:blipFill>
+        <p:spPr>
+          <a:xfrm>
+            <a:off x="7542663" y="4516840"/>
+            <a:ext cx="990600" cy="1181100"/>
+          </a:xfrm>
+          <a:prstGeom prst="rect">
+            <a:avLst/>
+          </a:prstGeom>
+        </p:spPr>
+      </p:pic>
+      <p:sp>
+        <p:nvSpPr>
+          <p:cNvPr id="11" name="TextBox 10">
+            <a:extLst>
+              <a:ext uri="{FF2B5EF4-FFF2-40B4-BE49-F238E27FC236}">
+                <a16:creationId xmlns:a16="http://schemas.microsoft.com/office/drawing/2014/main" id="{DB162ABB-3972-7F8D-6D51-332FFE300904}"/>
+              </a:ext>
+            </a:extLst>
+          </p:cNvPr>
+          <p:cNvSpPr txBox="1"/>
+          <p:nvPr/>
+        </p:nvSpPr>
+        <p:spPr>
+          <a:xfrm>
+            <a:off x="7111440" y="4372516"/>
+            <a:ext cx="2153346" cy="369332"/>
+          </a:xfrm>
+          <a:prstGeom prst="rect">
+            <a:avLst/>
+          </a:prstGeom>
+          <a:noFill/>
+        </p:spPr>
+        <p:txBody>
+          <a:bodyPr wrap="none" rtlCol="0">
+            <a:spAutoFit/>
+          </a:bodyPr>
+          <a:lstStyle/>
+          <a:p>
+            <a:r>
+              <a:rPr lang="en-BR" dirty="0"/>
+              <a:t>Repositório IPS Brasil</a:t>
+            </a:r>
+          </a:p>
+        </p:txBody>
+      </p:sp>
+      <p:sp>
+        <p:nvSpPr>
+          <p:cNvPr id="14" name="TextBox 13">
+            <a:extLst>
+              <a:ext uri="{FF2B5EF4-FFF2-40B4-BE49-F238E27FC236}">
+                <a16:creationId xmlns:a16="http://schemas.microsoft.com/office/drawing/2014/main" id="{5E4E5C2D-F0A0-D2D6-9476-82FBB9DF6AA1}"/>
+              </a:ext>
+            </a:extLst>
+          </p:cNvPr>
+          <p:cNvSpPr txBox="1"/>
+          <p:nvPr/>
+        </p:nvSpPr>
+        <p:spPr>
+          <a:xfrm>
+            <a:off x="8388040" y="2836287"/>
+            <a:ext cx="1428351" cy="646331"/>
+          </a:xfrm>
+          <a:prstGeom prst="rect">
+            <a:avLst/>
+          </a:prstGeom>
+          <a:solidFill>
+            <a:schemeClr val="bg1"/>
+          </a:solidFill>
+        </p:spPr>
+        <p:txBody>
+          <a:bodyPr wrap="square" rtlCol="0">
+            <a:spAutoFit/>
+          </a:bodyPr>
+          <a:lstStyle/>
+          <a:p>
+            <a:r>
+              <a:rPr lang="en-US" dirty="0"/>
+              <a:t>Fontes de Dados</a:t>
+            </a:r>
+            <a:endParaRPr lang="en-BR" dirty="0"/>
+          </a:p>
+        </p:txBody>
+      </p:sp>
+      <p:sp>
+        <p:nvSpPr>
+          <p:cNvPr id="15" name="TextBox 14">
+            <a:extLst>
+              <a:ext uri="{FF2B5EF4-FFF2-40B4-BE49-F238E27FC236}">
+                <a16:creationId xmlns:a16="http://schemas.microsoft.com/office/drawing/2014/main" id="{9B24CCE1-3D21-58AF-0CF3-843444A230AF}"/>
+              </a:ext>
+            </a:extLst>
+          </p:cNvPr>
+          <p:cNvSpPr txBox="1"/>
+          <p:nvPr/>
+        </p:nvSpPr>
+        <p:spPr>
+          <a:xfrm>
+            <a:off x="10239279" y="3957016"/>
+            <a:ext cx="1163337" cy="738664"/>
+          </a:xfrm>
+          <a:prstGeom prst="rect">
+            <a:avLst/>
+          </a:prstGeom>
+          <a:solidFill>
+            <a:schemeClr val="accent2">
+              <a:lumMod val="60000"/>
+              <a:lumOff val="40000"/>
+            </a:schemeClr>
+          </a:solidFill>
+        </p:spPr>
+        <p:txBody>
+          <a:bodyPr wrap="square" rtlCol="0">
+            <a:spAutoFit/>
+          </a:bodyPr>
+          <a:lstStyle/>
+          <a:p>
+            <a:r>
+              <a:rPr lang="en-US" sz="1400" dirty="0" err="1"/>
+              <a:t>Exames</a:t>
+            </a:r>
+            <a:r>
+              <a:rPr lang="en-US" sz="1400" dirty="0"/>
+              <a:t> Covid e </a:t>
+            </a:r>
+            <a:r>
+              <a:rPr lang="en-US" sz="1400" dirty="0" err="1"/>
+              <a:t>MonkeyPox</a:t>
+            </a:r>
+            <a:endParaRPr lang="en-BR" sz="1400" dirty="0"/>
+          </a:p>
+        </p:txBody>
+      </p:sp>
+      <p:sp>
+        <p:nvSpPr>
+          <p:cNvPr id="16" name="TextBox 15">
+            <a:extLst>
+              <a:ext uri="{FF2B5EF4-FFF2-40B4-BE49-F238E27FC236}">
+                <a16:creationId xmlns:a16="http://schemas.microsoft.com/office/drawing/2014/main" id="{A3354527-BD20-4313-1DA8-B709CB3546C5}"/>
+              </a:ext>
+            </a:extLst>
+          </p:cNvPr>
+          <p:cNvSpPr txBox="1"/>
+          <p:nvPr/>
+        </p:nvSpPr>
+        <p:spPr>
+          <a:xfrm>
+            <a:off x="10213768" y="2912045"/>
+            <a:ext cx="1018204" cy="523220"/>
+          </a:xfrm>
+          <a:prstGeom prst="rect">
+            <a:avLst/>
+          </a:prstGeom>
+          <a:solidFill>
+            <a:schemeClr val="accent2">
+              <a:lumMod val="60000"/>
+              <a:lumOff val="40000"/>
+            </a:schemeClr>
+          </a:solidFill>
+        </p:spPr>
+        <p:txBody>
+          <a:bodyPr wrap="square" rtlCol="0">
+            <a:spAutoFit/>
+          </a:bodyPr>
+          <a:lstStyle/>
+          <a:p>
+            <a:endParaRPr lang="en-US" sz="1400" dirty="0"/>
+          </a:p>
+          <a:p>
+            <a:r>
+              <a:rPr lang="en-US" sz="1400" dirty="0"/>
+              <a:t>PNI</a:t>
+            </a:r>
+            <a:endParaRPr lang="en-BR" sz="1400" dirty="0"/>
+          </a:p>
+        </p:txBody>
+      </p:sp>
+      <p:sp>
+        <p:nvSpPr>
+          <p:cNvPr id="17" name="TextBox 16">
+            <a:extLst>
+              <a:ext uri="{FF2B5EF4-FFF2-40B4-BE49-F238E27FC236}">
+                <a16:creationId xmlns:a16="http://schemas.microsoft.com/office/drawing/2014/main" id="{B060EBD4-3DDC-DB60-3087-54DA1EE8D301}"/>
+              </a:ext>
+            </a:extLst>
+          </p:cNvPr>
+          <p:cNvSpPr txBox="1"/>
+          <p:nvPr/>
+        </p:nvSpPr>
+        <p:spPr>
+          <a:xfrm>
+            <a:off x="10312289" y="1867074"/>
+            <a:ext cx="919683" cy="523220"/>
+          </a:xfrm>
+          <a:prstGeom prst="rect">
+            <a:avLst/>
+          </a:prstGeom>
+          <a:solidFill>
+            <a:schemeClr val="accent2">
+              <a:lumMod val="60000"/>
+              <a:lumOff val="40000"/>
+            </a:schemeClr>
+          </a:solidFill>
+        </p:spPr>
+        <p:txBody>
+          <a:bodyPr wrap="square" rtlCol="0">
+            <a:spAutoFit/>
+          </a:bodyPr>
+          <a:lstStyle/>
+          <a:p>
+            <a:endParaRPr lang="en-US" sz="1400" dirty="0"/>
+          </a:p>
+          <a:p>
+            <a:pPr algn="ctr"/>
+            <a:r>
+              <a:rPr lang="en-US" sz="1400" dirty="0"/>
+              <a:t>CADSUS</a:t>
+            </a:r>
+            <a:endParaRPr lang="en-BR" sz="1400" dirty="0"/>
+          </a:p>
+        </p:txBody>
+      </p:sp>
+      <p:sp>
+        <p:nvSpPr>
+          <p:cNvPr id="18" name="Rectangle 17">
+            <a:extLst>
+              <a:ext uri="{FF2B5EF4-FFF2-40B4-BE49-F238E27FC236}">
+                <a16:creationId xmlns:a16="http://schemas.microsoft.com/office/drawing/2014/main" id="{BC0E982D-3FDC-9FF4-1F2E-EF12A82F7864}"/>
+              </a:ext>
+            </a:extLst>
+          </p:cNvPr>
+          <p:cNvSpPr/>
+          <p:nvPr/>
+        </p:nvSpPr>
+        <p:spPr>
+          <a:xfrm>
+            <a:off x="10190463" y="1029256"/>
+            <a:ext cx="1163337" cy="628527"/>
+          </a:xfrm>
+          <a:prstGeom prst="rect">
+            <a:avLst/>
+          </a:prstGeom>
+          <a:solidFill>
+            <a:schemeClr val="accent2">
+              <a:lumMod val="40000"/>
+              <a:lumOff val="60000"/>
+            </a:schemeClr>
+          </a:solidFill>
+        </p:spPr>
+        <p:style>
+          <a:lnRef idx="2">
+            <a:schemeClr val="accent1">
+              <a:shade val="15000"/>
+            </a:schemeClr>
+          </a:lnRef>
+          <a:fillRef idx="1">
+            <a:schemeClr val="accent1"/>
+          </a:fillRef>
+          <a:effectRef idx="0">
+            <a:schemeClr val="accent1"/>
+          </a:effectRef>
+          <a:fontRef idx="minor">
+            <a:schemeClr val="lt1"/>
+          </a:fontRef>
+        </p:style>
+        <p:txBody>
+          <a:bodyPr rtlCol="0" anchor="ctr"/>
+          <a:lstStyle/>
+          <a:p>
+            <a:pPr algn="ctr"/>
+            <a:r>
+              <a:rPr lang="en-BR" dirty="0">
+                <a:solidFill>
+                  <a:schemeClr val="tx1"/>
+                </a:solidFill>
+              </a:rPr>
+              <a:t>CNES</a:t>
+            </a:r>
+          </a:p>
+        </p:txBody>
+      </p:sp>
+      <p:sp>
+        <p:nvSpPr>
+          <p:cNvPr id="19" name="Oval 18">
+            <a:extLst>
+              <a:ext uri="{FF2B5EF4-FFF2-40B4-BE49-F238E27FC236}">
+                <a16:creationId xmlns:a16="http://schemas.microsoft.com/office/drawing/2014/main" id="{D1097D4C-6E87-2758-DAFD-DD5162146AEC}"/>
+              </a:ext>
+            </a:extLst>
+          </p:cNvPr>
+          <p:cNvSpPr/>
+          <p:nvPr/>
+        </p:nvSpPr>
+        <p:spPr>
+          <a:xfrm>
+            <a:off x="3122297" y="2661160"/>
+            <a:ext cx="2224663" cy="1261031"/>
+          </a:xfrm>
+          <a:prstGeom prst="ellipse">
+            <a:avLst/>
+          </a:prstGeom>
+          <a:solidFill>
+            <a:schemeClr val="bg1"/>
+          </a:solidFill>
+          <a:ln>
+            <a:noFill/>
+          </a:ln>
+        </p:spPr>
+        <p:style>
+          <a:lnRef idx="2">
+            <a:schemeClr val="accent1">
+              <a:shade val="15000"/>
+            </a:schemeClr>
+          </a:lnRef>
+          <a:fillRef idx="1">
+            <a:schemeClr val="accent1"/>
+          </a:fillRef>
+          <a:effectRef idx="0">
+            <a:schemeClr val="accent1"/>
+          </a:effectRef>
+          <a:fontRef idx="minor">
+            <a:schemeClr val="lt1"/>
+          </a:fontRef>
+        </p:style>
+        <p:txBody>
+          <a:bodyPr rtlCol="0" anchor="ctr"/>
+          <a:lstStyle/>
+          <a:p>
+            <a:pPr algn="ctr"/>
+            <a:endParaRPr lang="en-BR"/>
+          </a:p>
+        </p:txBody>
+      </p:sp>
+      <p:sp>
+        <p:nvSpPr>
+          <p:cNvPr id="20" name="Rectangle 19">
+            <a:extLst>
+              <a:ext uri="{FF2B5EF4-FFF2-40B4-BE49-F238E27FC236}">
+                <a16:creationId xmlns:a16="http://schemas.microsoft.com/office/drawing/2014/main" id="{D80190AE-5FA6-C242-511F-2C75E0AEE87F}"/>
+              </a:ext>
+            </a:extLst>
+          </p:cNvPr>
+          <p:cNvSpPr/>
+          <p:nvPr/>
+        </p:nvSpPr>
+        <p:spPr>
+          <a:xfrm>
+            <a:off x="8635852" y="4730964"/>
+            <a:ext cx="1676437" cy="752851"/>
+          </a:xfrm>
+          <a:prstGeom prst="rect">
+            <a:avLst/>
+          </a:prstGeom>
+          <a:solidFill>
+            <a:schemeClr val="bg1"/>
+          </a:solidFill>
+          <a:ln>
+            <a:noFill/>
+          </a:ln>
+        </p:spPr>
+        <p:style>
+          <a:lnRef idx="2">
+            <a:schemeClr val="accent1">
+              <a:shade val="15000"/>
+            </a:schemeClr>
+          </a:lnRef>
+          <a:fillRef idx="1">
+            <a:schemeClr val="accent1"/>
+          </a:fillRef>
+          <a:effectRef idx="0">
+            <a:schemeClr val="accent1"/>
+          </a:effectRef>
+          <a:fontRef idx="minor">
+            <a:schemeClr val="lt1"/>
+          </a:fontRef>
+        </p:style>
+        <p:txBody>
+          <a:bodyPr rtlCol="0" anchor="ctr"/>
+          <a:lstStyle/>
+          <a:p>
+            <a:pPr algn="ctr"/>
+            <a:endParaRPr lang="en-BR"/>
+          </a:p>
+        </p:txBody>
+      </p:sp>
+      <p:sp>
+        <p:nvSpPr>
+          <p:cNvPr id="21" name="Rectangle 20">
+            <a:extLst>
+              <a:ext uri="{FF2B5EF4-FFF2-40B4-BE49-F238E27FC236}">
+                <a16:creationId xmlns:a16="http://schemas.microsoft.com/office/drawing/2014/main" id="{D22484FF-7217-88D3-2647-D1F5C34BDEFA}"/>
+              </a:ext>
+            </a:extLst>
+          </p:cNvPr>
+          <p:cNvSpPr/>
+          <p:nvPr/>
+        </p:nvSpPr>
+        <p:spPr>
+          <a:xfrm>
+            <a:off x="4700258" y="4858603"/>
+            <a:ext cx="1395742" cy="300251"/>
+          </a:xfrm>
+          <a:prstGeom prst="rect">
+            <a:avLst/>
+          </a:prstGeom>
+          <a:solidFill>
+            <a:schemeClr val="bg1"/>
+          </a:solidFill>
+          <a:ln>
+            <a:noFill/>
+          </a:ln>
+        </p:spPr>
+        <p:style>
+          <a:lnRef idx="2">
+            <a:schemeClr val="accent1">
+              <a:shade val="15000"/>
+            </a:schemeClr>
+          </a:lnRef>
+          <a:fillRef idx="1">
+            <a:schemeClr val="accent1"/>
+          </a:fillRef>
+          <a:effectRef idx="0">
+            <a:schemeClr val="accent1"/>
+          </a:effectRef>
+          <a:fontRef idx="minor">
+            <a:schemeClr val="lt1"/>
+          </a:fontRef>
+        </p:style>
+        <p:txBody>
+          <a:bodyPr rtlCol="0" anchor="ctr"/>
+          <a:lstStyle/>
+          <a:p>
+            <a:pPr algn="ctr"/>
+            <a:endParaRPr lang="en-BR"/>
+          </a:p>
+        </p:txBody>
+      </p:sp>
+      <p:sp>
+        <p:nvSpPr>
+          <p:cNvPr id="22" name="Rectangle 21">
+            <a:extLst>
+              <a:ext uri="{FF2B5EF4-FFF2-40B4-BE49-F238E27FC236}">
+                <a16:creationId xmlns:a16="http://schemas.microsoft.com/office/drawing/2014/main" id="{52DEF9B0-852D-8DF2-69EC-B3D2744179AD}"/>
+              </a:ext>
+            </a:extLst>
+          </p:cNvPr>
+          <p:cNvSpPr/>
+          <p:nvPr/>
+        </p:nvSpPr>
+        <p:spPr>
+          <a:xfrm>
+            <a:off x="5049672" y="1132764"/>
+            <a:ext cx="1542197" cy="1057192"/>
+          </a:xfrm>
+          <a:prstGeom prst="rect">
+            <a:avLst/>
+          </a:prstGeom>
+          <a:solidFill>
+            <a:schemeClr val="bg1"/>
+          </a:solidFill>
+        </p:spPr>
+        <p:style>
+          <a:lnRef idx="2">
+            <a:schemeClr val="accent1">
+              <a:shade val="15000"/>
+            </a:schemeClr>
+          </a:lnRef>
+          <a:fillRef idx="1">
+            <a:schemeClr val="accent1"/>
+          </a:fillRef>
+          <a:effectRef idx="0">
+            <a:schemeClr val="accent1"/>
+          </a:effectRef>
+          <a:fontRef idx="minor">
+            <a:schemeClr val="lt1"/>
+          </a:fontRef>
+        </p:style>
+        <p:txBody>
+          <a:bodyPr rtlCol="0" anchor="ctr"/>
+          <a:lstStyle/>
+          <a:p>
+            <a:pPr algn="ctr"/>
+            <a:endParaRPr lang="en-BR"/>
+          </a:p>
+        </p:txBody>
+      </p:sp>
+    </p:spTree>
+    <p:extLst>
+      <p:ext uri="{BB962C8B-B14F-4D97-AF65-F5344CB8AC3E}">
+        <p14:creationId xmlns:p14="http://schemas.microsoft.com/office/powerpoint/2010/main" val="792272328"/>
+      </p:ext>
+    </p:extLst>
+  </p:cSld>
+  <p:clrMapOvr>
+    <a:masterClrMapping/>
+  </p:clrMapOvr>
+</p:sld>
+</file>
+
+<file path=ppt/slides/slide3.xml><?xml version="1.0" encoding="utf-8"?>
+<p:sld xmlns:a="http://schemas.openxmlformats.org/drawingml/2006/main" xmlns:r="http://schemas.openxmlformats.org/officeDocument/2006/relationships" xmlns:p="http://schemas.openxmlformats.org/presentationml/2006/main">
+  <p:cSld>
+    <p:spTree>
+      <p:nvGrpSpPr>
+        <p:cNvPr id="1" name=""/>
+        <p:cNvGrpSpPr/>
+        <p:nvPr/>
+      </p:nvGrpSpPr>
+      <p:grpSpPr>
+        <a:xfrm>
+          <a:off x="0" y="0"/>
+          <a:ext cx="0" cy="0"/>
+          <a:chOff x="0" y="0"/>
+          <a:chExt cx="0" cy="0"/>
+        </a:xfrm>
+      </p:grpSpPr>
+      <p:sp>
+        <p:nvSpPr>
+          <p:cNvPr id="2" name="Title 1">
+            <a:extLst>
+              <a:ext uri="{FF2B5EF4-FFF2-40B4-BE49-F238E27FC236}">
+                <a16:creationId xmlns:a16="http://schemas.microsoft.com/office/drawing/2014/main" id="{1561F06C-D09D-E60E-BB39-E1718131057D}"/>
+              </a:ext>
+            </a:extLst>
+          </p:cNvPr>
+          <p:cNvSpPr>
+            <a:spLocks noGrp="1"/>
+          </p:cNvSpPr>
+          <p:nvPr>
+            <p:ph type="title"/>
+          </p:nvPr>
+        </p:nvSpPr>
+        <p:spPr/>
+        <p:txBody>
+          <a:bodyPr/>
+          <a:lstStyle/>
+          <a:p>
+            <a:endParaRPr lang="en-BR"/>
+          </a:p>
+        </p:txBody>
+      </p:sp>
+      <p:pic>
+        <p:nvPicPr>
+          <p:cNvPr id="3" name="Picture 2">
+            <a:extLst>
+              <a:ext uri="{FF2B5EF4-FFF2-40B4-BE49-F238E27FC236}">
+                <a16:creationId xmlns:a16="http://schemas.microsoft.com/office/drawing/2014/main" id="{99B92AE9-133A-0007-3AB1-178A74D5AB1D}"/>
+              </a:ext>
+            </a:extLst>
+          </p:cNvPr>
+          <p:cNvPicPr>
+            <a:picLocks noChangeAspect="1"/>
+          </p:cNvPicPr>
+          <p:nvPr/>
+        </p:nvPicPr>
+        <p:blipFill>
+          <a:blip r:embed="rId2"/>
+          <a:stretch>
+            <a:fillRect/>
+          </a:stretch>
+        </p:blipFill>
+        <p:spPr>
+          <a:xfrm>
+            <a:off x="2215959" y="0"/>
+            <a:ext cx="7760082" cy="6858000"/>
+          </a:xfrm>
+          <a:prstGeom prst="rect">
+            <a:avLst/>
+          </a:prstGeom>
+        </p:spPr>
+      </p:pic>
+    </p:spTree>
+    <p:extLst>
+      <p:ext uri="{BB962C8B-B14F-4D97-AF65-F5344CB8AC3E}">
+        <p14:creationId xmlns:p14="http://schemas.microsoft.com/office/powerpoint/2010/main" val="221877074"/>
+      </p:ext>
+    </p:extLst>
+  </p:cSld>
+  <p:clrMapOvr>
+    <a:masterClrMapping/>
+  </p:clrMapOvr>
+</p:sld>
+</file>
+
+<file path=ppt/slides/slide4.xml><?xml version="1.0" encoding="utf-8"?>
+<p:sld xmlns:a="http://schemas.openxmlformats.org/drawingml/2006/main" xmlns:r="http://schemas.openxmlformats.org/officeDocument/2006/relationships" xmlns:p="http://schemas.openxmlformats.org/presentationml/2006/main">
+  <p:cSld>
+    <p:spTree>
+      <p:nvGrpSpPr>
+        <p:cNvPr id="1" name=""/>
+        <p:cNvGrpSpPr/>
+        <p:nvPr/>
+      </p:nvGrpSpPr>
+      <p:grpSpPr>
+        <a:xfrm>
+          <a:off x="0" y="0"/>
+          <a:ext cx="0" cy="0"/>
+          <a:chOff x="0" y="0"/>
+          <a:chExt cx="0" cy="0"/>
+        </a:xfrm>
+      </p:grpSpPr>
+      <p:sp>
+        <p:nvSpPr>
+          <p:cNvPr id="2" name="Title 1">
+            <a:extLst>
+              <a:ext uri="{FF2B5EF4-FFF2-40B4-BE49-F238E27FC236}">
                 <a16:creationId xmlns:a16="http://schemas.microsoft.com/office/drawing/2014/main" id="{E2AA368A-C976-5E5C-C840-27E75D593444}"/>
               </a:ext>
             </a:extLst>
@@ -3173,7 +4579,7 @@
 </p:sld>
 </file>
 
-<file path=ppt/slides/slide3.xml><?xml version="1.0" encoding="utf-8"?>
+<file path=ppt/slides/slide5.xml><?xml version="1.0" encoding="utf-8"?>
 <p:sld xmlns:a="http://schemas.openxmlformats.org/drawingml/2006/main" xmlns:r="http://schemas.openxmlformats.org/officeDocument/2006/relationships" xmlns:p="http://schemas.openxmlformats.org/presentationml/2006/main">
   <p:cSld>
     <p:spTree>
@@ -3328,7 +4734,7 @@
 </p:sld>
 </file>
 
-<file path=ppt/slides/slide4.xml><?xml version="1.0" encoding="utf-8"?>
+<file path=ppt/slides/slide6.xml><?xml version="1.0" encoding="utf-8"?>
 <p:sld xmlns:a="http://schemas.openxmlformats.org/drawingml/2006/main" xmlns:r="http://schemas.openxmlformats.org/officeDocument/2006/relationships" xmlns:p="http://schemas.openxmlformats.org/presentationml/2006/main">
   <p:cSld>
     <p:spTree>
@@ -3466,7 +4872,7 @@
 </p:sld>
 </file>
 
-<file path=ppt/slides/slide5.xml><?xml version="1.0" encoding="utf-8"?>
+<file path=ppt/slides/slide7.xml><?xml version="1.0" encoding="utf-8"?>
 <p:sld xmlns:a="http://schemas.openxmlformats.org/drawingml/2006/main" xmlns:r="http://schemas.openxmlformats.org/officeDocument/2006/relationships" xmlns:p="http://schemas.openxmlformats.org/presentationml/2006/main">
   <p:cSld>
     <p:spTree>
@@ -3584,8 +4990,8 @@
         </p:nvSpPr>
         <p:spPr>
           <a:xfrm>
-            <a:off x="144352" y="4982646"/>
-            <a:ext cx="8601329" cy="369332"/>
+            <a:off x="144352" y="4982645"/>
+            <a:ext cx="7654324" cy="646331"/>
           </a:xfrm>
           <a:prstGeom prst="rect">
             <a:avLst/>
@@ -3593,14 +4999,14 @@
           <a:noFill/>
         </p:spPr>
         <p:txBody>
-          <a:bodyPr wrap="none" rtlCol="0">
+          <a:bodyPr wrap="square" rtlCol="0">
             <a:spAutoFit/>
           </a:bodyPr>
           <a:lstStyle/>
           <a:p>
             <a:r>
               <a:rPr lang="en-BR" dirty="0"/>
-              <a:t>Infelizmente endereço não tem como passar. Teria se tivesse mantido pelo menos o text…</a:t>
+              <a:t>Endereço – vamos fazer via aplicação a transformação de códigos IBGE de municípios e UF para aparecer a string em vez dos códigos </a:t>
             </a:r>
           </a:p>
         </p:txBody>
@@ -3618,7 +5024,7 @@
 </p:sld>
 </file>
 
-<file path=ppt/slides/slide6.xml><?xml version="1.0" encoding="utf-8"?>
+<file path=ppt/slides/slide8.xml><?xml version="1.0" encoding="utf-8"?>
 <p:sld xmlns:a="http://schemas.openxmlformats.org/drawingml/2006/main" xmlns:r="http://schemas.openxmlformats.org/officeDocument/2006/relationships" xmlns:p="http://schemas.openxmlformats.org/presentationml/2006/main">
   <p:cSld>
     <p:spTree>
@@ -3736,7 +5142,7 @@
 </p:sld>
 </file>
 
-<file path=ppt/slides/slide7.xml><?xml version="1.0" encoding="utf-8"?>
+<file path=ppt/slides/slide9.xml><?xml version="1.0" encoding="utf-8"?>
 <p:sld xmlns:a="http://schemas.openxmlformats.org/drawingml/2006/main" xmlns:r="http://schemas.openxmlformats.org/officeDocument/2006/relationships" xmlns:p="http://schemas.openxmlformats.org/presentationml/2006/main">
   <p:cSld>
     <p:spTree>
@@ -4141,4 +5547,299 @@
     </a:ext>
   </a:extLst>
 </a:theme>
+</file>
+
+<file path=ppt/theme/theme2.xml><?xml version="1.0" encoding="utf-8"?>
+<a:theme xmlns:a="http://schemas.openxmlformats.org/drawingml/2006/main" name="Office Theme">
+  <a:themeElements>
+    <a:clrScheme name="Office">
+      <a:dk1>
+        <a:sysClr val="windowText" lastClr="000000"/>
+      </a:dk1>
+      <a:lt1>
+        <a:sysClr val="window" lastClr="FFFFFF"/>
+      </a:lt1>
+      <a:dk2>
+        <a:srgbClr val="44546A"/>
+      </a:dk2>
+      <a:lt2>
+        <a:srgbClr val="E7E6E6"/>
+      </a:lt2>
+      <a:accent1>
+        <a:srgbClr val="4472C4"/>
+      </a:accent1>
+      <a:accent2>
+        <a:srgbClr val="ED7D31"/>
+      </a:accent2>
+      <a:accent3>
+        <a:srgbClr val="A5A5A5"/>
+      </a:accent3>
+      <a:accent4>
+        <a:srgbClr val="FFC000"/>
+      </a:accent4>
+      <a:accent5>
+        <a:srgbClr val="5B9BD5"/>
+      </a:accent5>
+      <a:accent6>
+        <a:srgbClr val="70AD47"/>
+      </a:accent6>
+      <a:hlink>
+        <a:srgbClr val="0563C1"/>
+      </a:hlink>
+      <a:folHlink>
+        <a:srgbClr val="954F72"/>
+      </a:folHlink>
+    </a:clrScheme>
+    <a:fontScheme name="Office">
+      <a:majorFont>
+        <a:latin typeface="Calibri Light" panose="020F0302020204030204"/>
+        <a:ea typeface=""/>
+        <a:cs typeface=""/>
+        <a:font script="Jpan" typeface="游ゴシック Light"/>
+        <a:font script="Hang" typeface="맑은 고딕"/>
+        <a:font script="Hans" typeface="等线 Light"/>
+        <a:font script="Hant" typeface="新細明體"/>
+        <a:font script="Arab" typeface="Times New Roman"/>
+        <a:font script="Hebr" typeface="Times New Roman"/>
+        <a:font script="Thai" typeface="Angsana New"/>
+        <a:font script="Ethi" typeface="Nyala"/>
+        <a:font script="Beng" typeface="Vrinda"/>
+        <a:font script="Gujr" typeface="Shruti"/>
+        <a:font script="Khmr" typeface="MoolBoran"/>
+        <a:font script="Knda" typeface="Tunga"/>
+        <a:font script="Guru" typeface="Raavi"/>
+        <a:font script="Cans" typeface="Euphemia"/>
+        <a:font script="Cher" typeface="Plantagenet Cherokee"/>
+        <a:font script="Yiii" typeface="Microsoft Yi Baiti"/>
+        <a:font script="Tibt" typeface="Microsoft Himalaya"/>
+        <a:font script="Thaa" typeface="MV Boli"/>
+        <a:font script="Deva" typeface="Mangal"/>
+        <a:font script="Telu" typeface="Gautami"/>
+        <a:font script="Taml" typeface="Latha"/>
+        <a:font script="Syrc" typeface="Estrangelo Edessa"/>
+        <a:font script="Orya" typeface="Kalinga"/>
+        <a:font script="Mlym" typeface="Kartika"/>
+        <a:font script="Laoo" typeface="DokChampa"/>
+        <a:font script="Sinh" typeface="Iskoola Pota"/>
+        <a:font script="Mong" typeface="Mongolian Baiti"/>
+        <a:font script="Viet" typeface="Times New Roman"/>
+        <a:font script="Uigh" typeface="Microsoft Uighur"/>
+        <a:font script="Geor" typeface="Sylfaen"/>
+        <a:font script="Armn" typeface="Arial"/>
+        <a:font script="Bugi" typeface="Leelawadee UI"/>
+        <a:font script="Bopo" typeface="Microsoft JhengHei"/>
+        <a:font script="Java" typeface="Javanese Text"/>
+        <a:font script="Lisu" typeface="Segoe UI"/>
+        <a:font script="Mymr" typeface="Myanmar Text"/>
+        <a:font script="Nkoo" typeface="Ebrima"/>
+        <a:font script="Olck" typeface="Nirmala UI"/>
+        <a:font script="Osma" typeface="Ebrima"/>
+        <a:font script="Phag" typeface="Phagspa"/>
+        <a:font script="Syrn" typeface="Estrangelo Edessa"/>
+        <a:font script="Syrj" typeface="Estrangelo Edessa"/>
+        <a:font script="Syre" typeface="Estrangelo Edessa"/>
+        <a:font script="Sora" typeface="Nirmala UI"/>
+        <a:font script="Tale" typeface="Microsoft Tai Le"/>
+        <a:font script="Talu" typeface="Microsoft New Tai Lue"/>
+        <a:font script="Tfng" typeface="Ebrima"/>
+      </a:majorFont>
+      <a:minorFont>
+        <a:latin typeface="Calibri" panose="020F0502020204030204"/>
+        <a:ea typeface=""/>
+        <a:cs typeface=""/>
+        <a:font script="Jpan" typeface="游ゴシック"/>
+        <a:font script="Hang" typeface="맑은 고딕"/>
+        <a:font script="Hans" typeface="等线"/>
+        <a:font script="Hant" typeface="新細明體"/>
+        <a:font script="Arab" typeface="Arial"/>
+        <a:font script="Hebr" typeface="Arial"/>
+        <a:font script="Thai" typeface="Cordia New"/>
+        <a:font script="Ethi" typeface="Nyala"/>
+        <a:font script="Beng" typeface="Vrinda"/>
+        <a:font script="Gujr" typeface="Shruti"/>
+        <a:font script="Khmr" typeface="DaunPenh"/>
+        <a:font script="Knda" typeface="Tunga"/>
+        <a:font script="Guru" typeface="Raavi"/>
+        <a:font script="Cans" typeface="Euphemia"/>
+        <a:font script="Cher" typeface="Plantagenet Cherokee"/>
+        <a:font script="Yiii" typeface="Microsoft Yi Baiti"/>
+        <a:font script="Tibt" typeface="Microsoft Himalaya"/>
+        <a:font script="Thaa" typeface="MV Boli"/>
+        <a:font script="Deva" typeface="Mangal"/>
+        <a:font script="Telu" typeface="Gautami"/>
+        <a:font script="Taml" typeface="Latha"/>
+        <a:font script="Syrc" typeface="Estrangelo Edessa"/>
+        <a:font script="Orya" typeface="Kalinga"/>
+        <a:font script="Mlym" typeface="Kartika"/>
+        <a:font script="Laoo" typeface="DokChampa"/>
+        <a:font script="Sinh" typeface="Iskoola Pota"/>
+        <a:font script="Mong" typeface="Mongolian Baiti"/>
+        <a:font script="Viet" typeface="Arial"/>
+        <a:font script="Uigh" typeface="Microsoft Uighur"/>
+        <a:font script="Geor" typeface="Sylfaen"/>
+        <a:font script="Armn" typeface="Arial"/>
+        <a:font script="Bugi" typeface="Leelawadee UI"/>
+        <a:font script="Bopo" typeface="Microsoft JhengHei"/>
+        <a:font script="Java" typeface="Javanese Text"/>
+        <a:font script="Lisu" typeface="Segoe UI"/>
+        <a:font script="Mymr" typeface="Myanmar Text"/>
+        <a:font script="Nkoo" typeface="Ebrima"/>
+        <a:font script="Olck" typeface="Nirmala UI"/>
+        <a:font script="Osma" typeface="Ebrima"/>
+        <a:font script="Phag" typeface="Phagspa"/>
+        <a:font script="Syrn" typeface="Estrangelo Edessa"/>
+        <a:font script="Syrj" typeface="Estrangelo Edessa"/>
+        <a:font script="Syre" typeface="Estrangelo Edessa"/>
+        <a:font script="Sora" typeface="Nirmala UI"/>
+        <a:font script="Tale" typeface="Microsoft Tai Le"/>
+        <a:font script="Talu" typeface="Microsoft New Tai Lue"/>
+        <a:font script="Tfng" typeface="Ebrima"/>
+      </a:minorFont>
+    </a:fontScheme>
+    <a:fmtScheme name="Office">
+      <a:fillStyleLst>
+        <a:solidFill>
+          <a:schemeClr val="phClr"/>
+        </a:solidFill>
+        <a:gradFill rotWithShape="1">
+          <a:gsLst>
+            <a:gs pos="0">
+              <a:schemeClr val="phClr">
+                <a:lumMod val="110000"/>
+                <a:satMod val="105000"/>
+                <a:tint val="67000"/>
+              </a:schemeClr>
+            </a:gs>
+            <a:gs pos="50000">
+              <a:schemeClr val="phClr">
+                <a:lumMod val="105000"/>
+                <a:satMod val="103000"/>
+                <a:tint val="73000"/>
+              </a:schemeClr>
+            </a:gs>
+            <a:gs pos="100000">
+              <a:schemeClr val="phClr">
+                <a:lumMod val="105000"/>
+                <a:satMod val="109000"/>
+                <a:tint val="81000"/>
+              </a:schemeClr>
+            </a:gs>
+          </a:gsLst>
+          <a:lin ang="5400000" scaled="0"/>
+        </a:gradFill>
+        <a:gradFill rotWithShape="1">
+          <a:gsLst>
+            <a:gs pos="0">
+              <a:schemeClr val="phClr">
+                <a:satMod val="103000"/>
+                <a:lumMod val="102000"/>
+                <a:tint val="94000"/>
+              </a:schemeClr>
+            </a:gs>
+            <a:gs pos="50000">
+              <a:schemeClr val="phClr">
+                <a:satMod val="110000"/>
+                <a:lumMod val="100000"/>
+                <a:shade val="100000"/>
+              </a:schemeClr>
+            </a:gs>
+            <a:gs pos="100000">
+              <a:schemeClr val="phClr">
+                <a:lumMod val="99000"/>
+                <a:satMod val="120000"/>
+                <a:shade val="78000"/>
+              </a:schemeClr>
+            </a:gs>
+          </a:gsLst>
+          <a:lin ang="5400000" scaled="0"/>
+        </a:gradFill>
+      </a:fillStyleLst>
+      <a:lnStyleLst>
+        <a:ln w="6350" cap="flat" cmpd="sng" algn="ctr">
+          <a:solidFill>
+            <a:schemeClr val="phClr"/>
+          </a:solidFill>
+          <a:prstDash val="solid"/>
+          <a:miter lim="800000"/>
+        </a:ln>
+        <a:ln w="12700" cap="flat" cmpd="sng" algn="ctr">
+          <a:solidFill>
+            <a:schemeClr val="phClr"/>
+          </a:solidFill>
+          <a:prstDash val="solid"/>
+          <a:miter lim="800000"/>
+        </a:ln>
+        <a:ln w="19050" cap="flat" cmpd="sng" algn="ctr">
+          <a:solidFill>
+            <a:schemeClr val="phClr"/>
+          </a:solidFill>
+          <a:prstDash val="solid"/>
+          <a:miter lim="800000"/>
+        </a:ln>
+      </a:lnStyleLst>
+      <a:effectStyleLst>
+        <a:effectStyle>
+          <a:effectLst/>
+        </a:effectStyle>
+        <a:effectStyle>
+          <a:effectLst/>
+        </a:effectStyle>
+        <a:effectStyle>
+          <a:effectLst>
+            <a:outerShdw blurRad="57150" dist="19050" dir="5400000" algn="ctr" rotWithShape="0">
+              <a:srgbClr val="000000">
+                <a:alpha val="63000"/>
+              </a:srgbClr>
+            </a:outerShdw>
+          </a:effectLst>
+        </a:effectStyle>
+      </a:effectStyleLst>
+      <a:bgFillStyleLst>
+        <a:solidFill>
+          <a:schemeClr val="phClr"/>
+        </a:solidFill>
+        <a:solidFill>
+          <a:schemeClr val="phClr">
+            <a:tint val="95000"/>
+            <a:satMod val="170000"/>
+          </a:schemeClr>
+        </a:solidFill>
+        <a:gradFill rotWithShape="1">
+          <a:gsLst>
+            <a:gs pos="0">
+              <a:schemeClr val="phClr">
+                <a:tint val="93000"/>
+                <a:satMod val="150000"/>
+                <a:shade val="98000"/>
+                <a:lumMod val="102000"/>
+              </a:schemeClr>
+            </a:gs>
+            <a:gs pos="50000">
+              <a:schemeClr val="phClr">
+                <a:tint val="98000"/>
+                <a:satMod val="130000"/>
+                <a:shade val="90000"/>
+                <a:lumMod val="103000"/>
+              </a:schemeClr>
+            </a:gs>
+            <a:gs pos="100000">
+              <a:schemeClr val="phClr">
+                <a:shade val="63000"/>
+                <a:satMod val="120000"/>
+              </a:schemeClr>
+            </a:gs>
+          </a:gsLst>
+          <a:lin ang="5400000" scaled="0"/>
+        </a:gradFill>
+      </a:bgFillStyleLst>
+    </a:fmtScheme>
+  </a:themeElements>
+  <a:objectDefaults/>
+  <a:extraClrSchemeLst/>
+  <a:extLst>
+    <a:ext uri="{05A4C25C-085E-4340-85A3-A5531E510DB2}">
+      <thm15:themeFamily xmlns:thm15="http://schemas.microsoft.com/office/thememl/2012/main" name="Office Theme" id="{62F939B6-93AF-4DB8-9C6B-D6C7DFDC589F}" vid="{4A3C46E8-61CC-4603-A589-7422A47A8E4A}"/>
+    </a:ext>
+  </a:extLst>
+</a:theme>
 </file>